--- a/ReExtNextWebinar.pptx
+++ b/ReExtNextWebinar.pptx
@@ -5570,7 +5570,7 @@
                 <a:sym typeface="Helvetica Neue"/>
                 <a:extLst>
                   <a:ext uri="http://customooxmlschemas.google.com/">
-                    <go:slidesCustomData xmlns="" xmlns:mc="http://schemas.openxmlformats.org/markup-compatibility/2006" xmlns:mv="urn:schemas-microsoft-com:mac:vml" xmlns:c="http://schemas.openxmlformats.org/drawingml/2006/chart" xmlns:dgm="http://schemas.openxmlformats.org/drawingml/2006/diagram" xmlns:o="urn:schemas-microsoft-com:office:office" xmlns:v="urn:schemas-microsoft-com:vml" xmlns:pvml="urn:schemas-microsoft-com:office:powerpoint" xmlns:com="http://schemas.openxmlformats.org/drawingml/2006/compatibility" xmlns:p14="http://schemas.microsoft.com/office/powerpoint/2010/main" xmlns:p15="http://schemas.microsoft.com/office/powerpoint/2012/main" xmlns:ahyp="http://schemas.microsoft.com/office/drawing/2018/hyperlinkcolor" xmlns:go="http://customooxmlschemas.google.com/" textRoundtripDataId="0"/>
+                    <go:slidesCustomData xmlns:go="http://customooxmlschemas.google.com/" xmlns:ahyp="http://schemas.microsoft.com/office/drawing/2018/hyperlinkcolor" xmlns:p15="http://schemas.microsoft.com/office/powerpoint/2012/main" xmlns:p14="http://schemas.microsoft.com/office/powerpoint/2010/main" xmlns:com="http://schemas.openxmlformats.org/drawingml/2006/compatibility" xmlns:pvml="urn:schemas-microsoft-com:office:powerpoint" xmlns:v="urn:schemas-microsoft-com:vml" xmlns:o="urn:schemas-microsoft-com:office:office" xmlns:dgm="http://schemas.openxmlformats.org/drawingml/2006/diagram" xmlns:c="http://schemas.openxmlformats.org/drawingml/2006/chart" xmlns:mv="urn:schemas-microsoft-com:mac:vml" xmlns:mc="http://schemas.openxmlformats.org/markup-compatibility/2006" xmlns="" textRoundtripDataId="0"/>
                   </a:ext>
                 </a:extLst>
               </a:rPr>
@@ -5595,7 +5595,7 @@
                 <a:sym typeface="Helvetica Neue"/>
                 <a:extLst>
                   <a:ext uri="http://customooxmlschemas.google.com/">
-                    <go:slidesCustomData xmlns="" xmlns:mc="http://schemas.openxmlformats.org/markup-compatibility/2006" xmlns:mv="urn:schemas-microsoft-com:mac:vml" xmlns:c="http://schemas.openxmlformats.org/drawingml/2006/chart" xmlns:dgm="http://schemas.openxmlformats.org/drawingml/2006/diagram" xmlns:o="urn:schemas-microsoft-com:office:office" xmlns:v="urn:schemas-microsoft-com:vml" xmlns:pvml="urn:schemas-microsoft-com:office:powerpoint" xmlns:com="http://schemas.openxmlformats.org/drawingml/2006/compatibility" xmlns:p14="http://schemas.microsoft.com/office/powerpoint/2010/main" xmlns:p15="http://schemas.microsoft.com/office/powerpoint/2012/main" xmlns:ahyp="http://schemas.microsoft.com/office/drawing/2018/hyperlinkcolor" xmlns:go="http://customooxmlschemas.google.com/" textRoundtripDataId="0"/>
+                    <go:slidesCustomData xmlns:go="http://customooxmlschemas.google.com/" xmlns:ahyp="http://schemas.microsoft.com/office/drawing/2018/hyperlinkcolor" xmlns:p15="http://schemas.microsoft.com/office/powerpoint/2012/main" xmlns:p14="http://schemas.microsoft.com/office/powerpoint/2010/main" xmlns:com="http://schemas.openxmlformats.org/drawingml/2006/compatibility" xmlns:pvml="urn:schemas-microsoft-com:office:powerpoint" xmlns:v="urn:schemas-microsoft-com:vml" xmlns:o="urn:schemas-microsoft-com:office:office" xmlns:dgm="http://schemas.openxmlformats.org/drawingml/2006/diagram" xmlns:c="http://schemas.openxmlformats.org/drawingml/2006/chart" xmlns:mv="urn:schemas-microsoft-com:mac:vml" xmlns:mc="http://schemas.openxmlformats.org/markup-compatibility/2006" xmlns="" textRoundtripDataId="0"/>
                   </a:ext>
                 </a:extLst>
               </a:rPr>
@@ -5620,7 +5620,7 @@
                 <a:sym typeface="Helvetica Neue"/>
                 <a:extLst>
                   <a:ext uri="http://customooxmlschemas.google.com/">
-                    <go:slidesCustomData xmlns="" xmlns:mc="http://schemas.openxmlformats.org/markup-compatibility/2006" xmlns:mv="urn:schemas-microsoft-com:mac:vml" xmlns:c="http://schemas.openxmlformats.org/drawingml/2006/chart" xmlns:dgm="http://schemas.openxmlformats.org/drawingml/2006/diagram" xmlns:o="urn:schemas-microsoft-com:office:office" xmlns:v="urn:schemas-microsoft-com:vml" xmlns:pvml="urn:schemas-microsoft-com:office:powerpoint" xmlns:com="http://schemas.openxmlformats.org/drawingml/2006/compatibility" xmlns:p14="http://schemas.microsoft.com/office/powerpoint/2010/main" xmlns:p15="http://schemas.microsoft.com/office/powerpoint/2012/main" xmlns:ahyp="http://schemas.microsoft.com/office/drawing/2018/hyperlinkcolor" xmlns:go="http://customooxmlschemas.google.com/" textRoundtripDataId="0"/>
+                    <go:slidesCustomData xmlns:go="http://customooxmlschemas.google.com/" xmlns:ahyp="http://schemas.microsoft.com/office/drawing/2018/hyperlinkcolor" xmlns:p15="http://schemas.microsoft.com/office/powerpoint/2012/main" xmlns:p14="http://schemas.microsoft.com/office/powerpoint/2010/main" xmlns:com="http://schemas.openxmlformats.org/drawingml/2006/compatibility" xmlns:pvml="urn:schemas-microsoft-com:office:powerpoint" xmlns:v="urn:schemas-microsoft-com:vml" xmlns:o="urn:schemas-microsoft-com:office:office" xmlns:dgm="http://schemas.openxmlformats.org/drawingml/2006/diagram" xmlns:c="http://schemas.openxmlformats.org/drawingml/2006/chart" xmlns:mv="urn:schemas-microsoft-com:mac:vml" xmlns:mc="http://schemas.openxmlformats.org/markup-compatibility/2006" xmlns="" textRoundtripDataId="0"/>
                   </a:ext>
                 </a:extLst>
               </a:rPr>
@@ -5912,7 +5912,7 @@
                 <a:srgbClr val="23272F"/>
               </a:solidFill>
               <a:latin typeface="Optimistic Display"/>
-              <a:hlinkClick r:id="">
+              <a:hlinkClick r:id="" action="ppaction://noaction">
                 <a:extLst>
                   <a:ext uri="{A12FA001-AC4F-418D-AE19-62706E023703}">
                     <ahyp:hlinkClr xmlns:ahyp="http://schemas.microsoft.com/office/drawing/2018/hyperlinkcolor" val="tx"/>
@@ -5926,13 +5926,13 @@
               <a:buNone/>
             </a:pPr>
             <a:endParaRPr lang="en-US" dirty="0">
-              <a:hlinkClick r:id=""/>
+              <a:hlinkClick r:id="" action="ppaction://noaction"/>
             </a:endParaRPr>
           </a:p>
           <a:p>
             <a:r>
               <a:rPr lang="en-US" dirty="0">
-                <a:hlinkClick r:id=""/>
+                <a:hlinkClick r:id="" action="ppaction://noaction"/>
               </a:rPr>
               <a:t>https://react.dev/learn/start-a-new-react-project</a:t>
             </a:r>
@@ -6834,7 +6834,7 @@
                 <a:sym typeface="Helvetica Neue"/>
                 <a:extLst>
                   <a:ext uri="http://customooxmlschemas.google.com/">
-                    <go:slidesCustomData xmlns="" xmlns:mc="http://schemas.openxmlformats.org/markup-compatibility/2006" xmlns:mv="urn:schemas-microsoft-com:mac:vml" xmlns:c="http://schemas.openxmlformats.org/drawingml/2006/chart" xmlns:dgm="http://schemas.openxmlformats.org/drawingml/2006/diagram" xmlns:o="urn:schemas-microsoft-com:office:office" xmlns:v="urn:schemas-microsoft-com:vml" xmlns:pvml="urn:schemas-microsoft-com:office:powerpoint" xmlns:com="http://schemas.openxmlformats.org/drawingml/2006/compatibility" xmlns:p14="http://schemas.microsoft.com/office/powerpoint/2010/main" xmlns:p15="http://schemas.microsoft.com/office/powerpoint/2012/main" xmlns:ahyp="http://schemas.microsoft.com/office/drawing/2018/hyperlinkcolor" xmlns:go="http://customooxmlschemas.google.com/" textRoundtripDataId="0"/>
+                    <go:slidesCustomData xmlns:go="http://customooxmlschemas.google.com/" xmlns:ahyp="http://schemas.microsoft.com/office/drawing/2018/hyperlinkcolor" xmlns:p15="http://schemas.microsoft.com/office/powerpoint/2012/main" xmlns:p14="http://schemas.microsoft.com/office/powerpoint/2010/main" xmlns:com="http://schemas.openxmlformats.org/drawingml/2006/compatibility" xmlns:pvml="urn:schemas-microsoft-com:office:powerpoint" xmlns:v="urn:schemas-microsoft-com:vml" xmlns:o="urn:schemas-microsoft-com:office:office" xmlns:dgm="http://schemas.openxmlformats.org/drawingml/2006/diagram" xmlns:c="http://schemas.openxmlformats.org/drawingml/2006/chart" xmlns:mv="urn:schemas-microsoft-com:mac:vml" xmlns:mc="http://schemas.openxmlformats.org/markup-compatibility/2006" xmlns="" textRoundtripDataId="0"/>
                   </a:ext>
                 </a:extLst>
               </a:rPr>
@@ -7342,6 +7342,18 @@
               </a:rPr>
               <a:t>https://npmtrends.com/angular-vs-react-vs-vue</a:t>
             </a:r>
+            <a:endParaRPr lang="en-US" dirty="0"/>
+          </a:p>
+          <a:p>
+            <a:r>
+              <a:rPr lang="en-US" dirty="0">
+                <a:hlinkClick r:id="rId5"/>
+              </a:rPr>
+              <a:t>https://github.com/vercel/next.js/discussions/29628</a:t>
+            </a:r>
+            <a:endParaRPr lang="en-US" dirty="0"/>
+          </a:p>
+          <a:p>
             <a:endParaRPr lang="en-US" dirty="0"/>
           </a:p>
           <a:p>
